--- a/Presentations/Aula09-Rede-IPFragIpv6MPLS/09-Rede-IPFragIpv6MPLS.pptx
+++ b/Presentations/Aula09-Rede-IPFragIpv6MPLS/09-Rede-IPFragIpv6MPLS.pptx
@@ -269,7 +269,7 @@
               <a:pPr>
                 <a:defRPr/>
               </a:pPr>
-              <a:t>19/10/2016</a:t>
+              <a:t>06/10/2017</a:t>
             </a:fld>
             <a:endParaRPr lang="pt-BR"/>
           </a:p>
@@ -911,7 +911,7 @@
               <a:pPr>
                 <a:defRPr/>
               </a:pPr>
-              <a:t>19/10/2016</a:t>
+              <a:t>06/10/2017</a:t>
             </a:fld>
             <a:endParaRPr lang="pt-BR"/>
           </a:p>
@@ -1281,7 +1281,7 @@
               <a:pPr>
                 <a:defRPr/>
               </a:pPr>
-              <a:t>19/10/2016</a:t>
+              <a:t>06/10/2017</a:t>
             </a:fld>
             <a:endParaRPr lang="pt-BR"/>
           </a:p>
@@ -1483,7 +1483,7 @@
               <a:pPr>
                 <a:defRPr/>
               </a:pPr>
-              <a:t>19/10/2016</a:t>
+              <a:t>06/10/2017</a:t>
             </a:fld>
             <a:endParaRPr lang="pt-BR"/>
           </a:p>
@@ -1747,7 +1747,7 @@
               <a:pPr>
                 <a:defRPr/>
               </a:pPr>
-              <a:t>19/10/2016</a:t>
+              <a:t>06/10/2017</a:t>
             </a:fld>
             <a:endParaRPr lang="pt-BR"/>
           </a:p>
@@ -1939,7 +1939,7 @@
               <a:pPr>
                 <a:defRPr/>
               </a:pPr>
-              <a:t>19/10/2016</a:t>
+              <a:t>06/10/2017</a:t>
             </a:fld>
             <a:endParaRPr lang="pt-BR"/>
           </a:p>
@@ -2207,7 +2207,7 @@
               <a:pPr>
                 <a:defRPr/>
               </a:pPr>
-              <a:t>19/10/2016</a:t>
+              <a:t>06/10/2017</a:t>
             </a:fld>
             <a:endParaRPr lang="pt-BR"/>
           </a:p>
@@ -2517,7 +2517,7 @@
               <a:pPr>
                 <a:defRPr/>
               </a:pPr>
-              <a:t>19/10/2016</a:t>
+              <a:t>06/10/2017</a:t>
             </a:fld>
             <a:endParaRPr lang="pt-BR"/>
           </a:p>
@@ -2961,7 +2961,7 @@
               <a:pPr>
                 <a:defRPr/>
               </a:pPr>
-              <a:t>19/10/2016</a:t>
+              <a:t>06/10/2017</a:t>
             </a:fld>
             <a:endParaRPr lang="pt-BR"/>
           </a:p>
@@ -3101,7 +3101,7 @@
               <a:pPr>
                 <a:defRPr/>
               </a:pPr>
-              <a:t>19/10/2016</a:t>
+              <a:t>06/10/2017</a:t>
             </a:fld>
             <a:endParaRPr lang="pt-BR"/>
           </a:p>
@@ -3218,7 +3218,7 @@
               <a:pPr>
                 <a:defRPr/>
               </a:pPr>
-              <a:t>19/10/2016</a:t>
+              <a:t>06/10/2017</a:t>
             </a:fld>
             <a:endParaRPr lang="pt-BR"/>
           </a:p>
@@ -3410,7 +3410,7 @@
               <a:pPr>
                 <a:defRPr/>
               </a:pPr>
-              <a:t>19/10/2016</a:t>
+              <a:t>06/10/2017</a:t>
             </a:fld>
             <a:endParaRPr lang="pt-BR"/>
           </a:p>
@@ -3709,7 +3709,7 @@
               <a:pPr>
                 <a:defRPr/>
               </a:pPr>
-              <a:t>19/10/2016</a:t>
+              <a:t>06/10/2017</a:t>
             </a:fld>
             <a:endParaRPr lang="pt-BR"/>
           </a:p>
@@ -3987,7 +3987,7 @@
               <a:pPr>
                 <a:defRPr/>
               </a:pPr>
-              <a:t>19/10/2016</a:t>
+              <a:t>06/10/2017</a:t>
             </a:fld>
             <a:endParaRPr lang="pt-BR"/>
           </a:p>
@@ -4179,7 +4179,7 @@
               <a:pPr>
                 <a:defRPr/>
               </a:pPr>
-              <a:t>19/10/2016</a:t>
+              <a:t>06/10/2017</a:t>
             </a:fld>
             <a:endParaRPr lang="pt-BR"/>
           </a:p>
@@ -4381,7 +4381,7 @@
               <a:pPr>
                 <a:defRPr/>
               </a:pPr>
-              <a:t>19/10/2016</a:t>
+              <a:t>06/10/2017</a:t>
             </a:fld>
             <a:endParaRPr lang="pt-BR"/>
           </a:p>
@@ -4649,7 +4649,7 @@
               <a:pPr>
                 <a:defRPr/>
               </a:pPr>
-              <a:t>19/10/2016</a:t>
+              <a:t>06/10/2017</a:t>
             </a:fld>
             <a:endParaRPr lang="pt-BR"/>
           </a:p>
@@ -4959,7 +4959,7 @@
               <a:pPr>
                 <a:defRPr/>
               </a:pPr>
-              <a:t>19/10/2016</a:t>
+              <a:t>06/10/2017</a:t>
             </a:fld>
             <a:endParaRPr lang="pt-BR"/>
           </a:p>
@@ -5403,7 +5403,7 @@
               <a:pPr>
                 <a:defRPr/>
               </a:pPr>
-              <a:t>19/10/2016</a:t>
+              <a:t>06/10/2017</a:t>
             </a:fld>
             <a:endParaRPr lang="pt-BR"/>
           </a:p>
@@ -5543,7 +5543,7 @@
               <a:pPr>
                 <a:defRPr/>
               </a:pPr>
-              <a:t>19/10/2016</a:t>
+              <a:t>06/10/2017</a:t>
             </a:fld>
             <a:endParaRPr lang="pt-BR"/>
           </a:p>
@@ -5660,7 +5660,7 @@
               <a:pPr>
                 <a:defRPr/>
               </a:pPr>
-              <a:t>19/10/2016</a:t>
+              <a:t>06/10/2017</a:t>
             </a:fld>
             <a:endParaRPr lang="pt-BR"/>
           </a:p>
@@ -5959,7 +5959,7 @@
               <a:pPr>
                 <a:defRPr/>
               </a:pPr>
-              <a:t>19/10/2016</a:t>
+              <a:t>06/10/2017</a:t>
             </a:fld>
             <a:endParaRPr lang="pt-BR"/>
           </a:p>
@@ -6266,7 +6266,7 @@
               <a:pPr>
                 <a:defRPr/>
               </a:pPr>
-              <a:t>19/10/2016</a:t>
+              <a:t>06/10/2017</a:t>
             </a:fld>
             <a:endParaRPr lang="pt-BR"/>
           </a:p>
@@ -6522,7 +6522,7 @@
               <a:pPr>
                 <a:defRPr/>
               </a:pPr>
-              <a:t>19/10/2016</a:t>
+              <a:t>06/10/2017</a:t>
             </a:fld>
             <a:endParaRPr lang="pt-BR"/>
           </a:p>
@@ -7271,7 +7271,7 @@
               <a:pPr>
                 <a:defRPr/>
               </a:pPr>
-              <a:t>19/10/2016</a:t>
+              <a:t>06/10/2017</a:t>
             </a:fld>
             <a:endParaRPr lang="pt-BR"/>
           </a:p>
@@ -7835,7 +7835,7 @@
                 <a:latin typeface="+mn-lt"/>
                 <a:cs typeface="Arial" pitchFamily="34" charset="0"/>
               </a:rPr>
-              <a:t>20</a:t>
+              <a:t>09 </a:t>
             </a:r>
             <a:r>
               <a:rPr lang="pt-BR" sz="2200" b="1" dirty="0" smtClean="0">
@@ -7845,7 +7845,17 @@
                 <a:latin typeface="+mn-lt"/>
                 <a:cs typeface="Arial" pitchFamily="34" charset="0"/>
               </a:rPr>
-              <a:t> </a:t>
+              <a:t>de </a:t>
+            </a:r>
+            <a:r>
+              <a:rPr lang="pt-BR" sz="2200" b="1" dirty="0" smtClean="0">
+                <a:solidFill>
+                  <a:schemeClr val="accent1"/>
+                </a:solidFill>
+                <a:latin typeface="+mn-lt"/>
+                <a:cs typeface="Arial" pitchFamily="34" charset="0"/>
+              </a:rPr>
+              <a:t>outubro </a:t>
             </a:r>
             <a:r>
               <a:rPr lang="pt-BR" sz="2200" b="1" dirty="0">
@@ -7865,18 +7875,15 @@
                 <a:latin typeface="+mn-lt"/>
                 <a:cs typeface="Arial" pitchFamily="34" charset="0"/>
               </a:rPr>
-              <a:t>outubro </a:t>
-            </a:r>
-            <a:r>
-              <a:rPr lang="pt-BR" sz="2200" b="1" dirty="0">
-                <a:solidFill>
-                  <a:schemeClr val="accent1"/>
-                </a:solidFill>
-                <a:latin typeface="+mn-lt"/>
-                <a:cs typeface="Arial" pitchFamily="34" charset="0"/>
-              </a:rPr>
-              <a:t>de 2016</a:t>
-            </a:r>
+              <a:t>2017</a:t>
+            </a:r>
+            <a:endParaRPr lang="pt-BR" sz="2200" b="1" dirty="0">
+              <a:solidFill>
+                <a:schemeClr val="accent1"/>
+              </a:solidFill>
+              <a:latin typeface="+mn-lt"/>
+              <a:cs typeface="Arial" pitchFamily="34" charset="0"/>
+            </a:endParaRPr>
           </a:p>
         </p:txBody>
       </p:sp>
@@ -10612,15 +10619,7 @@
           <a:p>
             <a:r>
               <a:rPr lang="pt-BR" dirty="0" smtClean="0"/>
-              <a:t>Cabeçalho </a:t>
-            </a:r>
-            <a:r>
-              <a:rPr lang="pt-BR" dirty="0" smtClean="0"/>
-              <a:t>de tamanho </a:t>
-            </a:r>
-            <a:r>
-              <a:rPr lang="pt-BR" dirty="0" smtClean="0"/>
-              <a:t>fixo de 40 bytes</a:t>
+              <a:t>Cabeçalho de tamanho fixo de 40 bytes</a:t>
             </a:r>
           </a:p>
           <a:p>
